--- a/5 .Presentation/Presentation.pptx
+++ b/5 .Presentation/Presentation.pptx
@@ -20,16 +20,17 @@
     <p:sldId id="265" r:id="rId15"/>
     <p:sldId id="266" r:id="rId16"/>
     <p:sldId id="267" r:id="rId17"/>
+    <p:sldId id="268" r:id="rId18"/>
   </p:sldIdLst>
   <p:sldSz cy="5143500" cx="9144000"/>
   <p:notesSz cx="6858000" cy="9144000"/>
   <p:embeddedFontLst>
     <p:embeddedFont>
       <p:font typeface="Roboto"/>
-      <p:regular r:id="rId18"/>
-      <p:bold r:id="rId19"/>
-      <p:italic r:id="rId20"/>
-      <p:boldItalic r:id="rId21"/>
+      <p:regular r:id="rId19"/>
+      <p:bold r:id="rId20"/>
+      <p:italic r:id="rId21"/>
+      <p:boldItalic r:id="rId22"/>
     </p:embeddedFont>
   </p:embeddedFontLst>
   <p:defaultTextStyle>
@@ -810,7 +811,7 @@
   <p:cSld>
     <p:spTree>
       <p:nvGrpSpPr>
-        <p:cNvPr id="141" name="Shape 141"/>
+        <p:cNvPr id="142" name="Shape 142"/>
         <p:cNvGrpSpPr/>
         <p:nvPr/>
       </p:nvGrpSpPr>
@@ -824,7 +825,7 @@
       </p:grpSpPr>
       <p:sp>
         <p:nvSpPr>
-          <p:cNvPr id="142" name="Google Shape;142;g319c1be06f3_0_134:notes"/>
+          <p:cNvPr id="143" name="Google Shape;143;g2d63acfaa67_0_0:notes"/>
           <p:cNvSpPr/>
           <p:nvPr>
             <p:ph idx="2" type="sldImg"/>
@@ -859,7 +860,7 @@
       </p:sp>
       <p:sp>
         <p:nvSpPr>
-          <p:cNvPr id="143" name="Google Shape;143;g319c1be06f3_0_134:notes"/>
+          <p:cNvPr id="144" name="Google Shape;144;g2d63acfaa67_0_0:notes"/>
           <p:cNvSpPr txBox="1"/>
           <p:nvPr>
             <p:ph idx="1" type="body"/>
@@ -909,7 +910,7 @@
   <p:cSld>
     <p:spTree>
       <p:nvGrpSpPr>
-        <p:cNvPr id="148" name="Shape 148"/>
+        <p:cNvPr id="149" name="Shape 149"/>
         <p:cNvGrpSpPr/>
         <p:nvPr/>
       </p:nvGrpSpPr>
@@ -923,7 +924,7 @@
       </p:grpSpPr>
       <p:sp>
         <p:nvSpPr>
-          <p:cNvPr id="149" name="Google Shape;149;g319c1be06f3_0_156:notes"/>
+          <p:cNvPr id="150" name="Google Shape;150;g319c1be06f3_0_134:notes"/>
           <p:cNvSpPr/>
           <p:nvPr>
             <p:ph idx="2" type="sldImg"/>
@@ -958,7 +959,7 @@
       </p:sp>
       <p:sp>
         <p:nvSpPr>
-          <p:cNvPr id="150" name="Google Shape;150;g319c1be06f3_0_156:notes"/>
+          <p:cNvPr id="151" name="Google Shape;151;g319c1be06f3_0_134:notes"/>
           <p:cNvSpPr txBox="1"/>
           <p:nvPr>
             <p:ph idx="1" type="body"/>
@@ -1008,7 +1009,7 @@
   <p:cSld>
     <p:spTree>
       <p:nvGrpSpPr>
-        <p:cNvPr id="154" name="Shape 154"/>
+        <p:cNvPr id="156" name="Shape 156"/>
         <p:cNvGrpSpPr/>
         <p:nvPr/>
       </p:nvGrpSpPr>
@@ -1022,7 +1023,7 @@
       </p:grpSpPr>
       <p:sp>
         <p:nvSpPr>
-          <p:cNvPr id="155" name="Google Shape;155;g319c1be06f3_0_167:notes"/>
+          <p:cNvPr id="157" name="Google Shape;157;g319c1be06f3_0_156:notes"/>
           <p:cNvSpPr/>
           <p:nvPr>
             <p:ph idx="2" type="sldImg"/>
@@ -1057,7 +1058,106 @@
       </p:sp>
       <p:sp>
         <p:nvSpPr>
-          <p:cNvPr id="156" name="Google Shape;156;g319c1be06f3_0_167:notes"/>
+          <p:cNvPr id="158" name="Google Shape;158;g319c1be06f3_0_156:notes"/>
+          <p:cNvSpPr txBox="1"/>
+          <p:nvPr>
+            <p:ph idx="1" type="body"/>
+          </p:nvPr>
+        </p:nvSpPr>
+        <p:spPr>
+          <a:xfrm>
+            <a:off x="685800" y="4343400"/>
+            <a:ext cx="5486400" cy="4114800"/>
+          </a:xfrm>
+          <a:prstGeom prst="rect">
+            <a:avLst/>
+          </a:prstGeom>
+        </p:spPr>
+        <p:txBody>
+          <a:bodyPr anchorCtr="0" anchor="t" bIns="91425" lIns="91425" spcFirstLastPara="1" rIns="91425" wrap="square" tIns="91425">
+            <a:noAutofit/>
+          </a:bodyPr>
+          <a:lstStyle/>
+          <a:p>
+            <a:pPr indent="0" lvl="0" marL="0" rtl="0" algn="l">
+              <a:spcBef>
+                <a:spcPts val="0"/>
+              </a:spcBef>
+              <a:spcAft>
+                <a:spcPts val="0"/>
+              </a:spcAft>
+              <a:buNone/>
+            </a:pPr>
+            <a:r>
+              <a:t/>
+            </a:r>
+            <a:endParaRPr/>
+          </a:p>
+        </p:txBody>
+      </p:sp>
+    </p:spTree>
+  </p:cSld>
+  <p:clrMapOvr>
+    <a:masterClrMapping/>
+  </p:clrMapOvr>
+</p:notes>
+</file>
+
+<file path=ppt/notesSlides/notesSlide13.xml><?xml version="1.0" encoding="utf-8"?>
+<p:notes xmlns:a="http://schemas.openxmlformats.org/drawingml/2006/main" xmlns:r="http://schemas.openxmlformats.org/officeDocument/2006/relationships" xmlns:mc="http://schemas.openxmlformats.org/markup-compatibility/2006" xmlns:mv="urn:schemas-microsoft-com:mac:vml" xmlns:p="http://schemas.openxmlformats.org/presentationml/2006/main" xmlns:c="http://schemas.openxmlformats.org/drawingml/2006/chart" xmlns:dgm="http://schemas.openxmlformats.org/drawingml/2006/diagram" xmlns:o="urn:schemas-microsoft-com:office:office" xmlns:v="urn:schemas-microsoft-com:vml" xmlns:pvml="urn:schemas-microsoft-com:office:powerpoint" xmlns:com="http://schemas.openxmlformats.org/drawingml/2006/compatibility" xmlns:p14="http://schemas.microsoft.com/office/powerpoint/2010/main" xmlns:p15="http://schemas.microsoft.com/office/powerpoint/2012/main" xmlns:ahyp="http://schemas.microsoft.com/office/drawing/2018/hyperlinkcolor" showMasterPhAnim="0" showMasterSp="0">
+  <p:cSld>
+    <p:spTree>
+      <p:nvGrpSpPr>
+        <p:cNvPr id="162" name="Shape 162"/>
+        <p:cNvGrpSpPr/>
+        <p:nvPr/>
+      </p:nvGrpSpPr>
+      <p:grpSpPr>
+        <a:xfrm>
+          <a:off x="0" y="0"/>
+          <a:ext cx="0" cy="0"/>
+          <a:chOff x="0" y="0"/>
+          <a:chExt cx="0" cy="0"/>
+        </a:xfrm>
+      </p:grpSpPr>
+      <p:sp>
+        <p:nvSpPr>
+          <p:cNvPr id="163" name="Google Shape;163;g319c1be06f3_0_167:notes"/>
+          <p:cNvSpPr/>
+          <p:nvPr>
+            <p:ph idx="2" type="sldImg"/>
+          </p:nvPr>
+        </p:nvSpPr>
+        <p:spPr>
+          <a:xfrm>
+            <a:off x="381300" y="685800"/>
+            <a:ext cx="6096000" cy="3429000"/>
+          </a:xfrm>
+          <a:custGeom>
+            <a:rect b="b" l="l" r="r" t="t"/>
+            <a:pathLst>
+              <a:path extrusionOk="0" h="120000" w="120000">
+                <a:moveTo>
+                  <a:pt x="0" y="0"/>
+                </a:moveTo>
+                <a:lnTo>
+                  <a:pt x="120000" y="0"/>
+                </a:lnTo>
+                <a:lnTo>
+                  <a:pt x="120000" y="120000"/>
+                </a:lnTo>
+                <a:lnTo>
+                  <a:pt x="0" y="120000"/>
+                </a:lnTo>
+                <a:close/>
+              </a:path>
+            </a:pathLst>
+          </a:custGeom>
+        </p:spPr>
+      </p:sp>
+      <p:sp>
+        <p:nvSpPr>
+          <p:cNvPr id="164" name="Google Shape;164;g319c1be06f3_0_167:notes"/>
           <p:cNvSpPr txBox="1"/>
           <p:nvPr>
             <p:ph idx="1" type="body"/>
@@ -1701,7 +1801,7 @@
   <p:cSld>
     <p:spTree>
       <p:nvGrpSpPr>
-        <p:cNvPr id="128" name="Shape 128"/>
+        <p:cNvPr id="129" name="Shape 129"/>
         <p:cNvGrpSpPr/>
         <p:nvPr/>
       </p:nvGrpSpPr>
@@ -1715,7 +1815,7 @@
       </p:grpSpPr>
       <p:sp>
         <p:nvSpPr>
-          <p:cNvPr id="129" name="Google Shape;129;g319c1be06f3_0_124:notes"/>
+          <p:cNvPr id="130" name="Google Shape;130;g319c1be06f3_0_124:notes"/>
           <p:cNvSpPr/>
           <p:nvPr>
             <p:ph idx="2" type="sldImg"/>
@@ -1750,7 +1850,7 @@
       </p:sp>
       <p:sp>
         <p:nvSpPr>
-          <p:cNvPr id="130" name="Google Shape;130;g319c1be06f3_0_124:notes"/>
+          <p:cNvPr id="131" name="Google Shape;131;g319c1be06f3_0_124:notes"/>
           <p:cNvSpPr txBox="1"/>
           <p:nvPr>
             <p:ph idx="1" type="body"/>
@@ -1800,7 +1900,7 @@
   <p:cSld>
     <p:spTree>
       <p:nvGrpSpPr>
-        <p:cNvPr id="134" name="Shape 134"/>
+        <p:cNvPr id="135" name="Shape 135"/>
         <p:cNvGrpSpPr/>
         <p:nvPr/>
       </p:nvGrpSpPr>
@@ -1814,7 +1914,7 @@
       </p:grpSpPr>
       <p:sp>
         <p:nvSpPr>
-          <p:cNvPr id="135" name="Google Shape;135;g319c1be06f3_0_129:notes"/>
+          <p:cNvPr id="136" name="Google Shape;136;g319c1be06f3_0_129:notes"/>
           <p:cNvSpPr/>
           <p:nvPr>
             <p:ph idx="2" type="sldImg"/>
@@ -1849,7 +1949,7 @@
       </p:sp>
       <p:sp>
         <p:nvSpPr>
-          <p:cNvPr id="136" name="Google Shape;136;g319c1be06f3_0_129:notes"/>
+          <p:cNvPr id="137" name="Google Shape;137;g319c1be06f3_0_129:notes"/>
           <p:cNvSpPr txBox="1"/>
           <p:nvPr>
             <p:ph idx="1" type="body"/>
@@ -8585,7 +8685,11 @@
             </a:pPr>
             <a:r>
               <a:rPr lang="el"/>
-              <a:t>A Data-Driven Approach to Identifying the Best Clients</a:t>
+              <a:t>A Data-Driven </a:t>
+            </a:r>
+            <a:r>
+              <a:rPr lang="el"/>
+              <a:t>Approach to Identifying the different customers profiles.</a:t>
             </a:r>
             <a:endParaRPr/>
           </a:p>
@@ -8674,7 +8778,7 @@
             </a:pPr>
             <a:r>
               <a:rPr lang="el"/>
-              <a:t>Presented by: Apostolis, Nikos, Maria </a:t>
+              <a:t>Presented by: Apostolis Karapatis, Nikos Marakis, Maria Kopsacheili</a:t>
             </a:r>
             <a:endParaRPr/>
           </a:p>
@@ -8693,7 +8797,7 @@
   <p:cSld>
     <p:spTree>
       <p:nvGrpSpPr>
-        <p:cNvPr id="144" name="Shape 144"/>
+        <p:cNvPr id="145" name="Shape 145"/>
         <p:cNvGrpSpPr/>
         <p:nvPr/>
       </p:nvGrpSpPr>
@@ -8707,7 +8811,7 @@
       </p:grpSpPr>
       <p:sp>
         <p:nvSpPr>
-          <p:cNvPr id="145" name="Google Shape;145;p22"/>
+          <p:cNvPr id="146" name="Google Shape;146;p22"/>
           <p:cNvSpPr txBox="1"/>
           <p:nvPr>
             <p:ph type="title"/>
@@ -8715,8 +8819,8 @@
         </p:nvSpPr>
         <p:spPr>
           <a:xfrm>
-            <a:off x="88050" y="178275"/>
-            <a:ext cx="8967900" cy="839400"/>
+            <a:off x="311700" y="410000"/>
+            <a:ext cx="8520600" cy="607800"/>
           </a:xfrm>
           <a:prstGeom prst="rect">
             <a:avLst/>
@@ -8724,7 +8828,7 @@
         </p:spPr>
         <p:txBody>
           <a:bodyPr anchorCtr="0" anchor="t" bIns="91425" lIns="91425" spcFirstLastPara="1" rIns="91425" wrap="square" tIns="91425">
-            <a:noAutofit/>
+            <a:normAutofit fontScale="90000"/>
           </a:bodyPr>
           <a:lstStyle/>
           <a:p>
@@ -8735,36 +8839,19 @@
               <a:spcAft>
                 <a:spcPts val="0"/>
               </a:spcAft>
-              <a:buSzPts val="990"/>
               <a:buNone/>
             </a:pPr>
             <a:r>
-              <a:rPr lang="el" sz="2400"/>
-              <a:t>Recommended Campaign Strategy - Cluster focused campaigns </a:t>
-            </a:r>
-            <a:endParaRPr sz="2400"/>
-          </a:p>
-          <a:p>
-            <a:pPr indent="0" lvl="0" marL="0" rtl="0" algn="l">
-              <a:spcBef>
-                <a:spcPts val="0"/>
-              </a:spcBef>
-              <a:spcAft>
-                <a:spcPts val="0"/>
-              </a:spcAft>
-              <a:buSzPts val="990"/>
-              <a:buNone/>
-            </a:pPr>
-            <a:r>
-              <a:t/>
-            </a:r>
-            <a:endParaRPr sz="2700"/>
+              <a:rPr lang="el"/>
+              <a:t>What Did We Discover? Campaign Feetback</a:t>
+            </a:r>
+            <a:endParaRPr/>
           </a:p>
         </p:txBody>
       </p:sp>
       <p:sp>
         <p:nvSpPr>
-          <p:cNvPr id="146" name="Google Shape;146;p22"/>
+          <p:cNvPr id="147" name="Google Shape;147;p22"/>
           <p:cNvSpPr txBox="1"/>
           <p:nvPr>
             <p:ph idx="1" type="body"/>
@@ -8772,8 +8859,8 @@
         </p:nvSpPr>
         <p:spPr>
           <a:xfrm>
-            <a:off x="176225" y="1325850"/>
-            <a:ext cx="4509900" cy="3432300"/>
+            <a:off x="6959100" y="1229875"/>
+            <a:ext cx="1873200" cy="3339000"/>
           </a:xfrm>
           <a:prstGeom prst="rect">
             <a:avLst/>
@@ -8781,194 +8868,22 @@
         </p:spPr>
         <p:txBody>
           <a:bodyPr anchorCtr="0" anchor="t" bIns="91425" lIns="91425" spcFirstLastPara="1" rIns="91425" wrap="square" tIns="91425">
-            <a:normAutofit fontScale="85000" lnSpcReduction="20000"/>
+            <a:normAutofit/>
           </a:bodyPr>
           <a:lstStyle/>
           <a:p>
             <a:pPr indent="0" lvl="0" marL="0" rtl="0" algn="l">
               <a:spcBef>
+                <a:spcPts val="0"/>
+              </a:spcBef>
+              <a:spcAft>
                 <a:spcPts val="1200"/>
-              </a:spcBef>
-              <a:spcAft>
-                <a:spcPts val="0"/>
               </a:spcAft>
               <a:buNone/>
             </a:pPr>
             <a:r>
-              <a:rPr b="1" lang="el" sz="1600">
-                <a:solidFill>
-                  <a:srgbClr val="FF0000"/>
-                </a:solidFill>
-              </a:rPr>
-              <a:t>Current strategy</a:t>
-            </a:r>
-            <a:r>
-              <a:rPr lang="el" sz="1600"/>
-              <a:t>: Generic. Very low conversion</a:t>
-            </a:r>
-            <a:endParaRPr sz="1600"/>
-          </a:p>
-          <a:p>
-            <a:pPr indent="0" lvl="0" marL="0" rtl="0" algn="l">
-              <a:spcBef>
-                <a:spcPts val="1200"/>
-              </a:spcBef>
-              <a:spcAft>
-                <a:spcPts val="0"/>
-              </a:spcAft>
-              <a:buNone/>
-            </a:pPr>
-            <a:r>
-              <a:rPr b="1" lang="el" sz="1600">
-                <a:solidFill>
-                  <a:srgbClr val="93C47D"/>
-                </a:solidFill>
-              </a:rPr>
-              <a:t>Refined </a:t>
-            </a:r>
-            <a:r>
-              <a:rPr b="1" lang="el" sz="1600">
-                <a:solidFill>
-                  <a:srgbClr val="93C47D"/>
-                </a:solidFill>
-              </a:rPr>
-              <a:t>strategy</a:t>
-            </a:r>
-            <a:r>
-              <a:rPr lang="el" sz="1600"/>
-              <a:t>: Cluster focused.</a:t>
-            </a:r>
-            <a:endParaRPr sz="1600"/>
-          </a:p>
-          <a:p>
-            <a:pPr indent="-314960" lvl="0" marL="457200" rtl="0" algn="l">
-              <a:spcBef>
-                <a:spcPts val="1200"/>
-              </a:spcBef>
-              <a:spcAft>
-                <a:spcPts val="0"/>
-              </a:spcAft>
-              <a:buSzPct val="100000"/>
-              <a:buChar char="●"/>
-            </a:pPr>
-            <a:r>
-              <a:rPr lang="el" sz="1600"/>
-              <a:t>Personalized campaigns depending on customer profile, to improve campaign response, increase loyalty and maximize revenue.</a:t>
-            </a:r>
-            <a:endParaRPr sz="900">
-              <a:solidFill>
-                <a:srgbClr val="000000"/>
-              </a:solidFill>
-              <a:latin typeface="Arial"/>
-              <a:ea typeface="Arial"/>
-              <a:cs typeface="Arial"/>
-              <a:sym typeface="Arial"/>
-            </a:endParaRPr>
-          </a:p>
-          <a:p>
-            <a:pPr indent="0" lvl="0" marL="457200" rtl="0" algn="l">
-              <a:spcBef>
-                <a:spcPts val="1200"/>
-              </a:spcBef>
-              <a:spcAft>
-                <a:spcPts val="0"/>
-              </a:spcAft>
-              <a:buNone/>
-            </a:pPr>
-            <a:r>
-              <a:t/>
-            </a:r>
-            <a:endParaRPr sz="900">
-              <a:solidFill>
-                <a:srgbClr val="000000"/>
-              </a:solidFill>
-              <a:latin typeface="Arial"/>
-              <a:ea typeface="Arial"/>
-              <a:cs typeface="Arial"/>
-              <a:sym typeface="Arial"/>
-            </a:endParaRPr>
-          </a:p>
-          <a:p>
-            <a:pPr indent="-314960" lvl="0" marL="457200" marR="0" rtl="0" algn="l">
-              <a:lnSpc>
-                <a:spcPct val="115000"/>
-              </a:lnSpc>
-              <a:spcBef>
-                <a:spcPts val="1200"/>
-              </a:spcBef>
-              <a:spcAft>
-                <a:spcPts val="0"/>
-              </a:spcAft>
-              <a:buSzPct val="100000"/>
-              <a:buChar char="●"/>
-            </a:pPr>
-            <a:r>
-              <a:rPr lang="el" sz="1600"/>
-              <a:t>From the graph you can see that almost no campaign had any viral </a:t>
-            </a:r>
-            <a:r>
-              <a:rPr lang="el" sz="1600"/>
-              <a:t>success</a:t>
-            </a:r>
-            <a:r>
-              <a:rPr lang="el" sz="1600"/>
-              <a:t>.</a:t>
-            </a:r>
-            <a:endParaRPr sz="1600"/>
-          </a:p>
-          <a:p>
-            <a:pPr indent="0" lvl="0" marL="0" marR="0" rtl="0" algn="l">
-              <a:lnSpc>
-                <a:spcPct val="115000"/>
-              </a:lnSpc>
-              <a:spcBef>
-                <a:spcPts val="1200"/>
-              </a:spcBef>
-              <a:spcAft>
-                <a:spcPts val="0"/>
-              </a:spcAft>
-              <a:buNone/>
-            </a:pPr>
-            <a:r>
-              <a:t/>
-            </a:r>
-            <a:endParaRPr sz="1600"/>
-          </a:p>
-          <a:p>
-            <a:pPr indent="0" lvl="0" marL="0" rtl="0" algn="l">
-              <a:spcBef>
-                <a:spcPts val="1200"/>
-              </a:spcBef>
-              <a:spcAft>
-                <a:spcPts val="0"/>
-              </a:spcAft>
-              <a:buNone/>
-            </a:pPr>
-            <a:r>
-              <a:t/>
-            </a:r>
-            <a:endParaRPr sz="1100">
-              <a:solidFill>
-                <a:srgbClr val="000000"/>
-              </a:solidFill>
-              <a:latin typeface="Arial"/>
-              <a:ea typeface="Arial"/>
-              <a:cs typeface="Arial"/>
-              <a:sym typeface="Arial"/>
-            </a:endParaRPr>
-          </a:p>
-          <a:p>
-            <a:pPr indent="0" lvl="0" marL="0" rtl="0" algn="l">
-              <a:spcBef>
-                <a:spcPts val="1200"/>
-              </a:spcBef>
-              <a:spcAft>
-                <a:spcPts val="1200"/>
-              </a:spcAft>
-              <a:buNone/>
-            </a:pPr>
-            <a:r>
-              <a:t/>
+              <a:rPr lang="el"/>
+              <a:t>Cluster 2 response rate is much higher.</a:t>
             </a:r>
             <a:endParaRPr/>
           </a:p>
@@ -8976,7 +8891,7 @@
       </p:sp>
       <p:pic>
         <p:nvPicPr>
-          <p:cNvPr id="147" name="Google Shape;147;p22"/>
+          <p:cNvPr id="148" name="Google Shape;148;p22"/>
           <p:cNvPicPr preferRelativeResize="0"/>
           <p:nvPr/>
         </p:nvPicPr>
@@ -8990,8 +8905,8 @@
         </p:blipFill>
         <p:spPr>
           <a:xfrm>
-            <a:off x="4902875" y="756125"/>
-            <a:ext cx="4153075" cy="2969549"/>
+            <a:off x="311700" y="1229875"/>
+            <a:ext cx="6445925" cy="3139751"/>
           </a:xfrm>
           <a:prstGeom prst="rect">
             <a:avLst/>
@@ -9015,7 +8930,7 @@
   <p:cSld>
     <p:spTree>
       <p:nvGrpSpPr>
-        <p:cNvPr id="151" name="Shape 151"/>
+        <p:cNvPr id="152" name="Shape 152"/>
         <p:cNvGrpSpPr/>
         <p:nvPr/>
       </p:nvGrpSpPr>
@@ -9029,7 +8944,335 @@
       </p:grpSpPr>
       <p:sp>
         <p:nvSpPr>
-          <p:cNvPr id="152" name="Google Shape;152;p23"/>
+          <p:cNvPr id="153" name="Google Shape;153;p23"/>
+          <p:cNvSpPr txBox="1"/>
+          <p:nvPr>
+            <p:ph type="title"/>
+          </p:nvPr>
+        </p:nvSpPr>
+        <p:spPr>
+          <a:xfrm>
+            <a:off x="88050" y="178275"/>
+            <a:ext cx="8967900" cy="839400"/>
+          </a:xfrm>
+          <a:prstGeom prst="rect">
+            <a:avLst/>
+          </a:prstGeom>
+        </p:spPr>
+        <p:txBody>
+          <a:bodyPr anchorCtr="0" anchor="t" bIns="91425" lIns="91425" spcFirstLastPara="1" rIns="91425" wrap="square" tIns="91425">
+            <a:noAutofit/>
+          </a:bodyPr>
+          <a:lstStyle/>
+          <a:p>
+            <a:pPr indent="0" lvl="0" marL="0" rtl="0" algn="l">
+              <a:spcBef>
+                <a:spcPts val="0"/>
+              </a:spcBef>
+              <a:spcAft>
+                <a:spcPts val="0"/>
+              </a:spcAft>
+              <a:buSzPts val="990"/>
+              <a:buNone/>
+            </a:pPr>
+            <a:r>
+              <a:rPr lang="el" sz="2400"/>
+              <a:t>Recommended Campaign Strategy - Cluster focused campaigns </a:t>
+            </a:r>
+            <a:endParaRPr sz="2400"/>
+          </a:p>
+          <a:p>
+            <a:pPr indent="0" lvl="0" marL="0" rtl="0" algn="l">
+              <a:spcBef>
+                <a:spcPts val="0"/>
+              </a:spcBef>
+              <a:spcAft>
+                <a:spcPts val="0"/>
+              </a:spcAft>
+              <a:buSzPts val="990"/>
+              <a:buNone/>
+            </a:pPr>
+            <a:r>
+              <a:t/>
+            </a:r>
+            <a:endParaRPr sz="2700"/>
+          </a:p>
+        </p:txBody>
+      </p:sp>
+      <p:sp>
+        <p:nvSpPr>
+          <p:cNvPr id="154" name="Google Shape;154;p23"/>
+          <p:cNvSpPr txBox="1"/>
+          <p:nvPr>
+            <p:ph idx="1" type="body"/>
+          </p:nvPr>
+        </p:nvSpPr>
+        <p:spPr>
+          <a:xfrm>
+            <a:off x="165975" y="1182825"/>
+            <a:ext cx="4654500" cy="3872400"/>
+          </a:xfrm>
+          <a:prstGeom prst="rect">
+            <a:avLst/>
+          </a:prstGeom>
+        </p:spPr>
+        <p:txBody>
+          <a:bodyPr anchorCtr="0" anchor="t" bIns="91425" lIns="91425" spcFirstLastPara="1" rIns="91425" wrap="square" tIns="91425">
+            <a:normAutofit fontScale="40000"/>
+          </a:bodyPr>
+          <a:lstStyle/>
+          <a:p>
+            <a:pPr indent="0" lvl="0" marL="0" rtl="0" algn="l">
+              <a:spcBef>
+                <a:spcPts val="1200"/>
+              </a:spcBef>
+              <a:spcAft>
+                <a:spcPts val="0"/>
+              </a:spcAft>
+              <a:buNone/>
+            </a:pPr>
+            <a:r>
+              <a:rPr b="1" lang="el" sz="3240">
+                <a:solidFill>
+                  <a:srgbClr val="FF0000"/>
+                </a:solidFill>
+              </a:rPr>
+              <a:t>Current strategy</a:t>
+            </a:r>
+            <a:r>
+              <a:rPr lang="el" sz="3240"/>
+              <a:t>: Generic. Very low conversion.</a:t>
+            </a:r>
+            <a:endParaRPr sz="3240"/>
+          </a:p>
+          <a:p>
+            <a:pPr indent="-310906" lvl="0" marL="457200" rtl="0" algn="l">
+              <a:spcBef>
+                <a:spcPts val="1200"/>
+              </a:spcBef>
+              <a:spcAft>
+                <a:spcPts val="0"/>
+              </a:spcAft>
+              <a:buSzPct val="100000"/>
+              <a:buChar char="●"/>
+            </a:pPr>
+            <a:r>
+              <a:rPr lang="el" sz="3240"/>
+              <a:t>80% of our clients showed zero interest for our campaigns.</a:t>
+            </a:r>
+            <a:endParaRPr sz="3240"/>
+          </a:p>
+          <a:p>
+            <a:pPr indent="0" lvl="0" marL="0" rtl="0" algn="l">
+              <a:spcBef>
+                <a:spcPts val="1200"/>
+              </a:spcBef>
+              <a:spcAft>
+                <a:spcPts val="0"/>
+              </a:spcAft>
+              <a:buNone/>
+            </a:pPr>
+            <a:r>
+              <a:t/>
+            </a:r>
+            <a:endParaRPr sz="3240"/>
+          </a:p>
+          <a:p>
+            <a:pPr indent="0" lvl="0" marL="0" rtl="0" algn="l">
+              <a:spcBef>
+                <a:spcPts val="1200"/>
+              </a:spcBef>
+              <a:spcAft>
+                <a:spcPts val="0"/>
+              </a:spcAft>
+              <a:buNone/>
+            </a:pPr>
+            <a:r>
+              <a:rPr b="1" lang="el" sz="3240">
+                <a:solidFill>
+                  <a:srgbClr val="93C47D"/>
+                </a:solidFill>
+              </a:rPr>
+              <a:t>Refined strategy</a:t>
+            </a:r>
+            <a:r>
+              <a:rPr lang="el" sz="3240"/>
+              <a:t>: Cluster focused.</a:t>
+            </a:r>
+            <a:endParaRPr sz="3240"/>
+          </a:p>
+          <a:p>
+            <a:pPr indent="-310906" lvl="0" marL="457200" rtl="0" algn="l">
+              <a:spcBef>
+                <a:spcPts val="1200"/>
+              </a:spcBef>
+              <a:spcAft>
+                <a:spcPts val="0"/>
+              </a:spcAft>
+              <a:buSzPct val="100000"/>
+              <a:buChar char="●"/>
+            </a:pPr>
+            <a:r>
+              <a:rPr lang="el" sz="3240"/>
+              <a:t>Personalized campaigns depending on customer profile, to improve campaign response, increase loyalty and maximize revenue.</a:t>
+            </a:r>
+            <a:endParaRPr sz="3240"/>
+          </a:p>
+          <a:p>
+            <a:pPr indent="0" lvl="0" marL="457200" rtl="0" algn="l">
+              <a:spcBef>
+                <a:spcPts val="1200"/>
+              </a:spcBef>
+              <a:spcAft>
+                <a:spcPts val="0"/>
+              </a:spcAft>
+              <a:buNone/>
+            </a:pPr>
+            <a:r>
+              <a:t/>
+            </a:r>
+            <a:endParaRPr sz="900">
+              <a:solidFill>
+                <a:srgbClr val="000000"/>
+              </a:solidFill>
+              <a:latin typeface="Arial"/>
+              <a:ea typeface="Arial"/>
+              <a:cs typeface="Arial"/>
+              <a:sym typeface="Arial"/>
+            </a:endParaRPr>
+          </a:p>
+          <a:p>
+            <a:pPr indent="0" lvl="0" marL="0" marR="0" rtl="0" algn="l">
+              <a:lnSpc>
+                <a:spcPct val="115000"/>
+              </a:lnSpc>
+              <a:spcBef>
+                <a:spcPts val="1200"/>
+              </a:spcBef>
+              <a:spcAft>
+                <a:spcPts val="0"/>
+              </a:spcAft>
+              <a:buNone/>
+            </a:pPr>
+            <a:r>
+              <a:t/>
+            </a:r>
+            <a:endParaRPr sz="1600"/>
+          </a:p>
+          <a:p>
+            <a:pPr indent="0" lvl="0" marL="0" marR="0" rtl="0" algn="l">
+              <a:lnSpc>
+                <a:spcPct val="115000"/>
+              </a:lnSpc>
+              <a:spcBef>
+                <a:spcPts val="1200"/>
+              </a:spcBef>
+              <a:spcAft>
+                <a:spcPts val="0"/>
+              </a:spcAft>
+              <a:buNone/>
+            </a:pPr>
+            <a:r>
+              <a:t/>
+            </a:r>
+            <a:endParaRPr sz="1600"/>
+          </a:p>
+          <a:p>
+            <a:pPr indent="0" lvl="0" marL="0" rtl="0" algn="l">
+              <a:spcBef>
+                <a:spcPts val="1200"/>
+              </a:spcBef>
+              <a:spcAft>
+                <a:spcPts val="0"/>
+              </a:spcAft>
+              <a:buNone/>
+            </a:pPr>
+            <a:r>
+              <a:t/>
+            </a:r>
+            <a:endParaRPr sz="1100">
+              <a:solidFill>
+                <a:srgbClr val="000000"/>
+              </a:solidFill>
+              <a:latin typeface="Arial"/>
+              <a:ea typeface="Arial"/>
+              <a:cs typeface="Arial"/>
+              <a:sym typeface="Arial"/>
+            </a:endParaRPr>
+          </a:p>
+          <a:p>
+            <a:pPr indent="0" lvl="0" marL="0" rtl="0" algn="l">
+              <a:spcBef>
+                <a:spcPts val="1200"/>
+              </a:spcBef>
+              <a:spcAft>
+                <a:spcPts val="1200"/>
+              </a:spcAft>
+              <a:buNone/>
+            </a:pPr>
+            <a:r>
+              <a:t/>
+            </a:r>
+            <a:endParaRPr/>
+          </a:p>
+        </p:txBody>
+      </p:sp>
+      <p:pic>
+        <p:nvPicPr>
+          <p:cNvPr id="155" name="Google Shape;155;p23"/>
+          <p:cNvPicPr preferRelativeResize="0"/>
+          <p:nvPr/>
+        </p:nvPicPr>
+        <p:blipFill>
+          <a:blip r:embed="rId3">
+            <a:alphaModFix/>
+          </a:blip>
+          <a:stretch>
+            <a:fillRect/>
+          </a:stretch>
+        </p:blipFill>
+        <p:spPr>
+          <a:xfrm>
+            <a:off x="4820375" y="885675"/>
+            <a:ext cx="4001901" cy="3222000"/>
+          </a:xfrm>
+          <a:prstGeom prst="rect">
+            <a:avLst/>
+          </a:prstGeom>
+          <a:noFill/>
+          <a:ln>
+            <a:noFill/>
+          </a:ln>
+        </p:spPr>
+      </p:pic>
+    </p:spTree>
+  </p:cSld>
+  <p:clrMapOvr>
+    <a:masterClrMapping/>
+  </p:clrMapOvr>
+</p:sld>
+</file>
+
+<file path=ppt/slides/slide12.xml><?xml version="1.0" encoding="utf-8"?>
+<p:sld xmlns:a="http://schemas.openxmlformats.org/drawingml/2006/main" xmlns:r="http://schemas.openxmlformats.org/officeDocument/2006/relationships" xmlns:mc="http://schemas.openxmlformats.org/markup-compatibility/2006" xmlns:mv="urn:schemas-microsoft-com:mac:vml" xmlns:p="http://schemas.openxmlformats.org/presentationml/2006/main" xmlns:c="http://schemas.openxmlformats.org/drawingml/2006/chart" xmlns:dgm="http://schemas.openxmlformats.org/drawingml/2006/diagram" xmlns:o="urn:schemas-microsoft-com:office:office" xmlns:v="urn:schemas-microsoft-com:vml" xmlns:pvml="urn:schemas-microsoft-com:office:powerpoint" xmlns:com="http://schemas.openxmlformats.org/drawingml/2006/compatibility" xmlns:p14="http://schemas.microsoft.com/office/powerpoint/2010/main" xmlns:p15="http://schemas.microsoft.com/office/powerpoint/2012/main" xmlns:ahyp="http://schemas.microsoft.com/office/drawing/2018/hyperlinkcolor">
+  <p:cSld>
+    <p:spTree>
+      <p:nvGrpSpPr>
+        <p:cNvPr id="159" name="Shape 159"/>
+        <p:cNvGrpSpPr/>
+        <p:nvPr/>
+      </p:nvGrpSpPr>
+      <p:grpSpPr>
+        <a:xfrm>
+          <a:off x="0" y="0"/>
+          <a:ext cx="0" cy="0"/>
+          <a:chOff x="0" y="0"/>
+          <a:chExt cx="0" cy="0"/>
+        </a:xfrm>
+      </p:grpSpPr>
+      <p:sp>
+        <p:nvSpPr>
+          <p:cNvPr id="160" name="Google Shape;160;p24"/>
           <p:cNvSpPr txBox="1"/>
           <p:nvPr>
             <p:ph idx="1" type="body"/>
@@ -9085,7 +9328,7 @@
             </a:pPr>
             <a:r>
               <a:rPr lang="el" sz="1600"/>
-              <a:t>Evaluate Cluster Performance of targeted marketing campaigns</a:t>
+              <a:t>Evaluate Cluster Performance of targeted marketing campaigns.</a:t>
             </a:r>
             <a:endParaRPr sz="1600"/>
           </a:p>
@@ -9178,7 +9421,7 @@
       </p:sp>
       <p:sp>
         <p:nvSpPr>
-          <p:cNvPr id="153" name="Google Shape;153;p23"/>
+          <p:cNvPr id="161" name="Google Shape;161;p24"/>
           <p:cNvSpPr txBox="1"/>
           <p:nvPr>
             <p:ph type="title"/>
@@ -9250,12 +9493,12 @@
 </p:sld>
 </file>
 
-<file path=ppt/slides/slide12.xml><?xml version="1.0" encoding="utf-8"?>
+<file path=ppt/slides/slide13.xml><?xml version="1.0" encoding="utf-8"?>
 <p:sld xmlns:a="http://schemas.openxmlformats.org/drawingml/2006/main" xmlns:r="http://schemas.openxmlformats.org/officeDocument/2006/relationships" xmlns:mc="http://schemas.openxmlformats.org/markup-compatibility/2006" xmlns:mv="urn:schemas-microsoft-com:mac:vml" xmlns:p="http://schemas.openxmlformats.org/presentationml/2006/main" xmlns:c="http://schemas.openxmlformats.org/drawingml/2006/chart" xmlns:dgm="http://schemas.openxmlformats.org/drawingml/2006/diagram" xmlns:o="urn:schemas-microsoft-com:office:office" xmlns:v="urn:schemas-microsoft-com:vml" xmlns:pvml="urn:schemas-microsoft-com:office:powerpoint" xmlns:com="http://schemas.openxmlformats.org/drawingml/2006/compatibility" xmlns:p14="http://schemas.microsoft.com/office/powerpoint/2010/main" xmlns:p15="http://schemas.microsoft.com/office/powerpoint/2012/main" xmlns:ahyp="http://schemas.microsoft.com/office/drawing/2018/hyperlinkcolor">
   <p:cSld>
     <p:spTree>
       <p:nvGrpSpPr>
-        <p:cNvPr id="157" name="Shape 157"/>
+        <p:cNvPr id="165" name="Shape 165"/>
         <p:cNvGrpSpPr/>
         <p:nvPr/>
       </p:nvGrpSpPr>
@@ -9269,7 +9512,7 @@
       </p:grpSpPr>
       <p:sp>
         <p:nvSpPr>
-          <p:cNvPr id="158" name="Google Shape;158;p24"/>
+          <p:cNvPr id="166" name="Google Shape;166;p25"/>
           <p:cNvSpPr txBox="1"/>
           <p:nvPr>
             <p:ph type="title"/>
@@ -9309,45 +9552,6 @@
               <a:t>nk you!</a:t>
             </a:r>
             <a:endParaRPr sz="5500"/>
-          </a:p>
-        </p:txBody>
-      </p:sp>
-      <p:sp>
-        <p:nvSpPr>
-          <p:cNvPr id="159" name="Google Shape;159;p24"/>
-          <p:cNvSpPr txBox="1"/>
-          <p:nvPr>
-            <p:ph idx="1" type="body"/>
-          </p:nvPr>
-        </p:nvSpPr>
-        <p:spPr>
-          <a:xfrm>
-            <a:off x="311700" y="3369225"/>
-            <a:ext cx="8520600" cy="1281900"/>
-          </a:xfrm>
-          <a:prstGeom prst="rect">
-            <a:avLst/>
-          </a:prstGeom>
-        </p:spPr>
-        <p:txBody>
-          <a:bodyPr anchorCtr="0" anchor="t" bIns="91425" lIns="91425" spcFirstLastPara="1" rIns="91425" wrap="square" tIns="91425">
-            <a:normAutofit/>
-          </a:bodyPr>
-          <a:lstStyle/>
-          <a:p>
-            <a:pPr indent="0" lvl="0" marL="0" rtl="0" algn="ctr">
-              <a:spcBef>
-                <a:spcPts val="0"/>
-              </a:spcBef>
-              <a:spcAft>
-                <a:spcPts val="1200"/>
-              </a:spcAft>
-              <a:buNone/>
-            </a:pPr>
-            <a:r>
-              <a:t/>
-            </a:r>
-            <a:endParaRPr/>
           </a:p>
         </p:txBody>
       </p:sp>
@@ -9426,7 +9630,7 @@
         </p:nvSpPr>
         <p:spPr>
           <a:xfrm>
-            <a:off x="311700" y="1229875"/>
+            <a:off x="311700" y="1017800"/>
             <a:ext cx="8520600" cy="3339000"/>
           </a:xfrm>
           <a:prstGeom prst="rect">
@@ -9483,7 +9687,7 @@
             </a:pPr>
             <a:r>
               <a:rPr lang="el"/>
-              <a:t>The goal is to determine the most profitable customer segment,</a:t>
+              <a:t>The goal is to determine the distinct characteristics of each customer segment,</a:t>
             </a:r>
             <a:endParaRPr/>
           </a:p>
@@ -9515,7 +9719,7 @@
             </a:pPr>
             <a:r>
               <a:rPr lang="el"/>
-              <a:t>enabling the marketing team to design a highly targeted campaign that focuses on the best clients.</a:t>
+              <a:t>enabling the marketing team to design a highly targeted campaign for each customer group.</a:t>
             </a:r>
             <a:endParaRPr/>
           </a:p>
@@ -9596,8 +9800,8 @@
         </p:nvSpPr>
         <p:spPr>
           <a:xfrm>
-            <a:off x="311700" y="1229875"/>
-            <a:ext cx="8520600" cy="3913500"/>
+            <a:off x="311700" y="1076200"/>
+            <a:ext cx="8520600" cy="3549000"/>
           </a:xfrm>
           <a:prstGeom prst="rect">
             <a:avLst/>
@@ -9605,11 +9809,11 @@
         </p:spPr>
         <p:txBody>
           <a:bodyPr anchorCtr="0" anchor="t" bIns="91425" lIns="91425" spcFirstLastPara="1" rIns="91425" wrap="square" tIns="91425">
-            <a:normAutofit fontScale="77500" lnSpcReduction="20000"/>
+            <a:normAutofit/>
           </a:bodyPr>
           <a:lstStyle/>
           <a:p>
-            <a:pPr indent="-317182" lvl="0" marL="457200" marR="0" rtl="0" algn="l">
+            <a:pPr indent="-342900" lvl="0" marL="457200" marR="0" rtl="0" algn="l">
               <a:lnSpc>
                 <a:spcPct val="115000"/>
               </a:lnSpc>
@@ -9619,14 +9823,60 @@
               <a:spcAft>
                 <a:spcPts val="0"/>
               </a:spcAft>
-              <a:buSzPct val="100000"/>
+              <a:buSzPts val="1800"/>
               <a:buChar char="●"/>
             </a:pPr>
             <a:r>
+              <a:rPr b="1" lang="el"/>
+              <a:t>Understanding Our Customers</a:t>
+            </a:r>
+            <a:r>
               <a:rPr lang="el"/>
-              <a:t>Understanding Our Customers: To design effective marketing strategies, we need a clear picture of who our customers are.</a:t>
+              <a:t>: To design effective marketing strategies, we need a clear picture of who our customers are.</a:t>
             </a:r>
             <a:endParaRPr/>
+          </a:p>
+          <a:p>
+            <a:pPr indent="0" lvl="0" marL="0" marR="0" rtl="0" algn="l">
+              <a:lnSpc>
+                <a:spcPct val="115000"/>
+              </a:lnSpc>
+              <a:spcBef>
+                <a:spcPts val="1200"/>
+              </a:spcBef>
+              <a:spcAft>
+                <a:spcPts val="0"/>
+              </a:spcAft>
+              <a:buNone/>
+            </a:pPr>
+            <a:r>
+              <a:t/>
+            </a:r>
+            <a:endParaRPr/>
+          </a:p>
+          <a:p>
+            <a:pPr indent="-342900" lvl="0" marL="457200" marR="0" rtl="0" algn="l">
+              <a:lnSpc>
+                <a:spcPct val="115000"/>
+              </a:lnSpc>
+              <a:spcBef>
+                <a:spcPts val="1200"/>
+              </a:spcBef>
+              <a:spcAft>
+                <a:spcPts val="0"/>
+              </a:spcAft>
+              <a:buSzPts val="1800"/>
+              <a:buChar char="●"/>
+            </a:pPr>
+            <a:r>
+              <a:rPr b="1" lang="el"/>
+              <a:t>Understand Customer Behavior</a:t>
+            </a:r>
+            <a:r>
+              <a:rPr lang="el"/>
+              <a:t>: Spot patterns in spending, preferences, and engagement.</a:t>
+            </a:r>
+            <a:endParaRPr b="1"/>
           </a:p>
           <a:p>
             <a:pPr indent="0" lvl="0" marL="457200" marR="0" rtl="0" algn="l">
@@ -9647,7 +9897,7 @@
             <a:endParaRPr/>
           </a:p>
           <a:p>
-            <a:pPr indent="-317182" lvl="0" marL="457200" marR="0" rtl="0" algn="l">
+            <a:pPr indent="-342900" lvl="0" marL="457200" marR="0" rtl="0" algn="l">
               <a:lnSpc>
                 <a:spcPct val="115000"/>
               </a:lnSpc>
@@ -9657,126 +9907,16 @@
               <a:spcAft>
                 <a:spcPts val="0"/>
               </a:spcAft>
-              <a:buSzPct val="100000"/>
+              <a:buSzPts val="1800"/>
               <a:buChar char="●"/>
             </a:pPr>
             <a:r>
+              <a:rPr b="1" lang="el"/>
+              <a:t>Drive Personalization</a:t>
+            </a:r>
+            <a:r>
               <a:rPr lang="el"/>
-              <a:t>Defining the Best Customers</a:t>
-            </a:r>
-            <a:endParaRPr/>
-          </a:p>
-          <a:p>
-            <a:pPr indent="0" lvl="0" marL="457200" marR="0" rtl="0" algn="l">
-              <a:lnSpc>
-                <a:spcPct val="115000"/>
-              </a:lnSpc>
-              <a:spcBef>
-                <a:spcPts val="1200"/>
-              </a:spcBef>
-              <a:spcAft>
-                <a:spcPts val="0"/>
-              </a:spcAft>
-              <a:buNone/>
-            </a:pPr>
-            <a:r>
-              <a:t/>
-            </a:r>
-            <a:endParaRPr/>
-          </a:p>
-          <a:p>
-            <a:pPr indent="-317182" lvl="0" marL="457200" marR="0" rtl="0" algn="l">
-              <a:lnSpc>
-                <a:spcPct val="115000"/>
-              </a:lnSpc>
-              <a:spcBef>
-                <a:spcPts val="1200"/>
-              </a:spcBef>
-              <a:spcAft>
-                <a:spcPts val="0"/>
-              </a:spcAft>
-              <a:buSzPct val="100000"/>
-              <a:buChar char="●"/>
-            </a:pPr>
-            <a:r>
-              <a:rPr lang="el"/>
-              <a:t>Understand Customer Behavior: Spot patterns in spending, preferences, and engagement.</a:t>
-            </a:r>
-            <a:endParaRPr/>
-          </a:p>
-          <a:p>
-            <a:pPr indent="0" lvl="0" marL="457200" marR="0" rtl="0" algn="l">
-              <a:lnSpc>
-                <a:spcPct val="115000"/>
-              </a:lnSpc>
-              <a:spcBef>
-                <a:spcPts val="1200"/>
-              </a:spcBef>
-              <a:spcAft>
-                <a:spcPts val="0"/>
-              </a:spcAft>
-              <a:buNone/>
-            </a:pPr>
-            <a:r>
-              <a:t/>
-            </a:r>
-            <a:endParaRPr/>
-          </a:p>
-          <a:p>
-            <a:pPr indent="-317182" lvl="0" marL="457200" marR="0" rtl="0" algn="l">
-              <a:lnSpc>
-                <a:spcPct val="115000"/>
-              </a:lnSpc>
-              <a:spcBef>
-                <a:spcPts val="1200"/>
-              </a:spcBef>
-              <a:spcAft>
-                <a:spcPts val="0"/>
-              </a:spcAft>
-              <a:buSzPct val="100000"/>
-              <a:buChar char="●"/>
-            </a:pPr>
-            <a:r>
-              <a:rPr lang="el"/>
-              <a:t>Optimize Resources: Prioritize high-value segments over others.</a:t>
-            </a:r>
-            <a:endParaRPr/>
-          </a:p>
-          <a:p>
-            <a:pPr indent="0" lvl="0" marL="457200" marR="0" rtl="0" algn="l">
-              <a:lnSpc>
-                <a:spcPct val="115000"/>
-              </a:lnSpc>
-              <a:spcBef>
-                <a:spcPts val="1200"/>
-              </a:spcBef>
-              <a:spcAft>
-                <a:spcPts val="0"/>
-              </a:spcAft>
-              <a:buNone/>
-            </a:pPr>
-            <a:r>
-              <a:t/>
-            </a:r>
-            <a:endParaRPr/>
-          </a:p>
-          <a:p>
-            <a:pPr indent="-317182" lvl="0" marL="457200" marR="0" rtl="0" algn="l">
-              <a:lnSpc>
-                <a:spcPct val="115000"/>
-              </a:lnSpc>
-              <a:spcBef>
-                <a:spcPts val="1200"/>
-              </a:spcBef>
-              <a:spcAft>
-                <a:spcPts val="0"/>
-              </a:spcAft>
-              <a:buSzPct val="163636"/>
-              <a:buChar char="●"/>
-            </a:pPr>
-            <a:r>
-              <a:rPr lang="el"/>
-              <a:t>Drive Personalization: Create tailored campaigns for maximum impact.</a:t>
+              <a:t>: Create tailored campaigns for maximum impact.</a:t>
             </a:r>
             <a:endParaRPr sz="1100">
               <a:solidFill>
@@ -9889,7 +10029,7 @@
         </p:spPr>
         <p:txBody>
           <a:bodyPr anchorCtr="0" anchor="t" bIns="91425" lIns="91425" spcFirstLastPara="1" rIns="91425" wrap="square" tIns="91425">
-            <a:normAutofit/>
+            <a:normAutofit lnSpcReduction="10000"/>
           </a:bodyPr>
           <a:lstStyle/>
           <a:p>
@@ -9909,7 +10049,41 @@
             </a:r>
             <a:r>
               <a:rPr lang="el" sz="1400"/>
-              <a:t>Customer Personality Analysis dataset from 2012 to 2014 (given from marketing team).</a:t>
+              <a:t>Customer Personality Analysis dataset from 2012 to 2014 (given from marketing team). </a:t>
+            </a:r>
+            <a:endParaRPr sz="1400"/>
+          </a:p>
+          <a:p>
+            <a:pPr indent="-317500" lvl="1" marL="914400" rtl="0" algn="l">
+              <a:spcBef>
+                <a:spcPts val="0"/>
+              </a:spcBef>
+              <a:spcAft>
+                <a:spcPts val="0"/>
+              </a:spcAft>
+              <a:buSzPts val="1400"/>
+              <a:buChar char="○"/>
+            </a:pPr>
+            <a:r>
+              <a:rPr lang="el"/>
+              <a:t>2240 rows</a:t>
+            </a:r>
+            <a:endParaRPr/>
+          </a:p>
+          <a:p>
+            <a:pPr indent="-317500" lvl="1" marL="914400" rtl="0" algn="l">
+              <a:spcBef>
+                <a:spcPts val="0"/>
+              </a:spcBef>
+              <a:spcAft>
+                <a:spcPts val="0"/>
+              </a:spcAft>
+              <a:buSzPts val="1400"/>
+              <a:buChar char="○"/>
+            </a:pPr>
+            <a:r>
+              <a:rPr lang="el"/>
+              <a:t>29 features</a:t>
             </a:r>
             <a:endParaRPr/>
           </a:p>
@@ -10039,7 +10213,24 @@
             </a:pPr>
             <a:r>
               <a:rPr lang="el"/>
-              <a:t>Visualized distributions and correlations to identify key drivers of profitability.</a:t>
+              <a:t>Visualized distributions and correlations.</a:t>
+            </a:r>
+            <a:endParaRPr/>
+          </a:p>
+          <a:p>
+            <a:pPr indent="-317500" lvl="2" marL="1371600" rtl="0" algn="l">
+              <a:spcBef>
+                <a:spcPts val="0"/>
+              </a:spcBef>
+              <a:spcAft>
+                <a:spcPts val="0"/>
+              </a:spcAft>
+              <a:buSzPts val="1400"/>
+              <a:buChar char="■"/>
+            </a:pPr>
+            <a:r>
+              <a:rPr lang="el"/>
+              <a:t>Feature selection.</a:t>
             </a:r>
             <a:endParaRPr/>
           </a:p>
@@ -10479,7 +10670,7 @@
         </p:spPr>
         <p:txBody>
           <a:bodyPr anchorCtr="0" anchor="t" bIns="91425" lIns="91425" spcFirstLastPara="1" rIns="91425" wrap="square" tIns="91425">
-            <a:normAutofit/>
+            <a:normAutofit lnSpcReduction="20000"/>
           </a:bodyPr>
           <a:lstStyle/>
           <a:p>
@@ -10498,7 +10689,15 @@
             </a:pPr>
             <a:r>
               <a:rPr lang="el"/>
-              <a:t>Focused on attributes like:</a:t>
+              <a:t>Model based on the</a:t>
+            </a:r>
+            <a:r>
+              <a:rPr lang="el"/>
+              <a:t> attributes</a:t>
+            </a:r>
+            <a:r>
+              <a:rPr lang="el"/>
+              <a:t>:</a:t>
             </a:r>
             <a:endParaRPr/>
           </a:p>
@@ -10535,8 +10734,52 @@
               <a:buChar char="○"/>
             </a:pPr>
             <a:r>
+              <a:rPr b="1" lang="el"/>
+              <a:t>Income</a:t>
+            </a:r>
+            <a:endParaRPr b="1"/>
+          </a:p>
+          <a:p>
+            <a:pPr indent="-317500" lvl="1" marL="914400" marR="0" rtl="0" algn="l">
+              <a:lnSpc>
+                <a:spcPct val="115000"/>
+              </a:lnSpc>
+              <a:spcBef>
+                <a:spcPts val="0"/>
+              </a:spcBef>
+              <a:spcAft>
+                <a:spcPts val="0"/>
+              </a:spcAft>
+              <a:buSzPts val="1400"/>
+              <a:buChar char="○"/>
+            </a:pPr>
+            <a:r>
               <a:rPr lang="el"/>
-              <a:t>Income</a:t>
+              <a:t>Number of </a:t>
+            </a:r>
+            <a:r>
+              <a:rPr b="1" lang="el"/>
+              <a:t>Children</a:t>
+            </a:r>
+            <a:endParaRPr b="1"/>
+          </a:p>
+          <a:p>
+            <a:pPr indent="-317500" lvl="1" marL="914400" marR="0" rtl="0" algn="l">
+              <a:lnSpc>
+                <a:spcPct val="115000"/>
+              </a:lnSpc>
+              <a:spcBef>
+                <a:spcPts val="0"/>
+              </a:spcBef>
+              <a:spcAft>
+                <a:spcPts val="0"/>
+              </a:spcAft>
+              <a:buSzPts val="1400"/>
+              <a:buChar char="○"/>
+            </a:pPr>
+            <a:r>
+              <a:rPr lang="el"/>
+              <a:t>Age</a:t>
             </a:r>
             <a:endParaRPr/>
           </a:p>
@@ -10556,7 +10799,7 @@
             </a:pPr>
             <a:r>
               <a:rPr lang="el"/>
-              <a:t>Children</a:t>
+              <a:t>Marital Status</a:t>
             </a:r>
             <a:endParaRPr/>
           </a:p>
@@ -10576,7 +10819,7 @@
             </a:pPr>
             <a:r>
               <a:rPr lang="el"/>
-              <a:t>Age</a:t>
+              <a:t>Product</a:t>
             </a:r>
             <a:endParaRPr/>
           </a:p>
@@ -10596,7 +10839,7 @@
             </a:pPr>
             <a:r>
               <a:rPr lang="el"/>
-              <a:t>Marital Status</a:t>
+              <a:t>Engagement in campaigns</a:t>
             </a:r>
             <a:endParaRPr/>
           </a:p>
@@ -10616,37 +10859,9 @@
             </a:pPr>
             <a:r>
               <a:rPr lang="el"/>
-              <a:t>Product</a:t>
+              <a:t>Education</a:t>
             </a:r>
             <a:endParaRPr/>
-          </a:p>
-          <a:p>
-            <a:pPr indent="-317500" lvl="1" marL="914400" marR="0" rtl="0" algn="l">
-              <a:lnSpc>
-                <a:spcPct val="115000"/>
-              </a:lnSpc>
-              <a:spcBef>
-                <a:spcPts val="0"/>
-              </a:spcBef>
-              <a:spcAft>
-                <a:spcPts val="0"/>
-              </a:spcAft>
-              <a:buSzPts val="1400"/>
-              <a:buChar char="○"/>
-            </a:pPr>
-            <a:r>
-              <a:rPr lang="el"/>
-              <a:t>Engagement in campaigns</a:t>
-            </a:r>
-            <a:endParaRPr sz="1100">
-              <a:solidFill>
-                <a:srgbClr val="000000"/>
-              </a:solidFill>
-              <a:latin typeface="Arial"/>
-              <a:ea typeface="Arial"/>
-              <a:cs typeface="Arial"/>
-              <a:sym typeface="Arial"/>
-            </a:endParaRPr>
           </a:p>
           <a:p>
             <a:pPr indent="0" lvl="0" marL="0" rtl="0" algn="l">
@@ -10665,6 +10880,34 @@
           </a:p>
         </p:txBody>
       </p:sp>
+      <p:pic>
+        <p:nvPicPr>
+          <p:cNvPr id="128" name="Google Shape;128;p19"/>
+          <p:cNvPicPr preferRelativeResize="0"/>
+          <p:nvPr/>
+        </p:nvPicPr>
+        <p:blipFill>
+          <a:blip r:embed="rId3">
+            <a:alphaModFix/>
+          </a:blip>
+          <a:stretch>
+            <a:fillRect/>
+          </a:stretch>
+        </p:blipFill>
+        <p:spPr>
+          <a:xfrm>
+            <a:off x="4307975" y="1111975"/>
+            <a:ext cx="4262841" cy="3333600"/>
+          </a:xfrm>
+          <a:prstGeom prst="rect">
+            <a:avLst/>
+          </a:prstGeom>
+          <a:noFill/>
+          <a:ln>
+            <a:noFill/>
+          </a:ln>
+        </p:spPr>
+      </p:pic>
     </p:spTree>
   </p:cSld>
   <p:clrMapOvr>
@@ -10678,7 +10921,7 @@
   <p:cSld>
     <p:spTree>
       <p:nvGrpSpPr>
-        <p:cNvPr id="131" name="Shape 131"/>
+        <p:cNvPr id="132" name="Shape 132"/>
         <p:cNvGrpSpPr/>
         <p:nvPr/>
       </p:nvGrpSpPr>
@@ -10692,7 +10935,7 @@
       </p:grpSpPr>
       <p:sp>
         <p:nvSpPr>
-          <p:cNvPr id="132" name="Google Shape;132;p20"/>
+          <p:cNvPr id="133" name="Google Shape;133;p20"/>
           <p:cNvSpPr txBox="1"/>
           <p:nvPr>
             <p:ph type="title"/>
@@ -10732,7 +10975,7 @@
       </p:sp>
       <p:sp>
         <p:nvSpPr>
-          <p:cNvPr id="133" name="Google Shape;133;p20"/>
+          <p:cNvPr id="134" name="Google Shape;134;p20"/>
           <p:cNvSpPr txBox="1"/>
           <p:nvPr>
             <p:ph idx="1" type="body"/>
@@ -10769,7 +11012,7 @@
             </a:r>
             <a:r>
               <a:rPr lang="el" sz="1700"/>
-              <a:t>algorithms and parameters combinations</a:t>
+              <a:t>algorithms, parameters and features combinations</a:t>
             </a:r>
             <a:r>
               <a:rPr lang="el" sz="1700"/>
@@ -11006,7 +11249,7 @@
   <p:cSld>
     <p:spTree>
       <p:nvGrpSpPr>
-        <p:cNvPr id="137" name="Shape 137"/>
+        <p:cNvPr id="138" name="Shape 138"/>
         <p:cNvGrpSpPr/>
         <p:nvPr/>
       </p:nvGrpSpPr>
@@ -11020,7 +11263,7 @@
       </p:grpSpPr>
       <p:sp>
         <p:nvSpPr>
-          <p:cNvPr id="138" name="Google Shape;138;p21"/>
+          <p:cNvPr id="139" name="Google Shape;139;p21"/>
           <p:cNvSpPr txBox="1"/>
           <p:nvPr>
             <p:ph type="title"/>
@@ -11060,7 +11303,7 @@
       </p:sp>
       <p:sp>
         <p:nvSpPr>
-          <p:cNvPr id="139" name="Google Shape;139;p21"/>
+          <p:cNvPr id="140" name="Google Shape;140;p21"/>
           <p:cNvSpPr txBox="1"/>
           <p:nvPr>
             <p:ph idx="1" type="body"/>
@@ -11068,8 +11311,8 @@
         </p:nvSpPr>
         <p:spPr>
           <a:xfrm>
-            <a:off x="311700" y="1229875"/>
-            <a:ext cx="8520600" cy="3339000"/>
+            <a:off x="73775" y="936475"/>
+            <a:ext cx="4795200" cy="3873000"/>
           </a:xfrm>
           <a:prstGeom prst="rect">
             <a:avLst/>
@@ -11077,18 +11320,18 @@
         </p:spPr>
         <p:txBody>
           <a:bodyPr anchorCtr="0" anchor="t" bIns="91425" lIns="91425" spcFirstLastPara="1" rIns="91425" wrap="square" tIns="91425">
-            <a:normAutofit lnSpcReduction="20000"/>
+            <a:normAutofit fontScale="85000" lnSpcReduction="10000"/>
           </a:bodyPr>
           <a:lstStyle/>
           <a:p>
-            <a:pPr indent="-342900" lvl="0" marL="457200" rtl="0" algn="l">
-              <a:spcBef>
-                <a:spcPts val="0"/>
-              </a:spcBef>
-              <a:spcAft>
-                <a:spcPts val="0"/>
-              </a:spcAft>
-              <a:buSzPts val="1800"/>
+            <a:pPr indent="-325755" lvl="0" marL="457200" rtl="0" algn="l">
+              <a:spcBef>
+                <a:spcPts val="0"/>
+              </a:spcBef>
+              <a:spcAft>
+                <a:spcPts val="0"/>
+              </a:spcAft>
+              <a:buSzPct val="100000"/>
               <a:buChar char="●"/>
             </a:pPr>
             <a:r>
@@ -11113,19 +11356,44 @@
             <a:endParaRPr/>
           </a:p>
           <a:p>
-            <a:pPr indent="-317500" lvl="1" marL="914400" rtl="0" algn="l">
+            <a:pPr indent="-304165" lvl="1" marL="914400" rtl="0" algn="l">
               <a:spcBef>
                 <a:spcPts val="1200"/>
               </a:spcBef>
               <a:spcAft>
                 <a:spcPts val="0"/>
               </a:spcAft>
-              <a:buSzPts val="1400"/>
+              <a:buSzPct val="100000"/>
               <a:buChar char="○"/>
             </a:pPr>
             <a:r>
+              <a:rPr b="1" lang="el"/>
+              <a:t>Cluster 0:</a:t>
+            </a:r>
+            <a:r>
               <a:rPr lang="el"/>
-              <a:t>Cluster 0: No kids - High Spenders</a:t>
+              <a:t> </a:t>
+            </a:r>
+            <a:r>
+              <a:rPr lang="el"/>
+              <a:t>Low income, families with small children</a:t>
+            </a:r>
+            <a:endParaRPr/>
+          </a:p>
+          <a:p>
+            <a:pPr indent="-304164" lvl="2" marL="1371600" rtl="0" algn="l">
+              <a:spcBef>
+                <a:spcPts val="0"/>
+              </a:spcBef>
+              <a:spcAft>
+                <a:spcPts val="0"/>
+              </a:spcAft>
+              <a:buSzPct val="100000"/>
+              <a:buChar char="■"/>
+            </a:pPr>
+            <a:r>
+              <a:rPr lang="el"/>
+              <a:t>992 customers</a:t>
             </a:r>
             <a:endParaRPr/>
           </a:p>
@@ -11145,7 +11413,7 @@
             <a:endParaRPr/>
           </a:p>
           <a:p>
-            <a:pPr indent="-317500" lvl="1" marL="914400" marR="0" rtl="0" algn="l">
+            <a:pPr indent="-304165" lvl="1" marL="914400" marR="0" rtl="0" algn="l">
               <a:lnSpc>
                 <a:spcPct val="115000"/>
               </a:lnSpc>
@@ -11155,12 +11423,40 @@
               <a:spcAft>
                 <a:spcPts val="0"/>
               </a:spcAft>
-              <a:buSzPts val="1400"/>
+              <a:buSzPct val="100000"/>
               <a:buChar char="○"/>
             </a:pPr>
             <a:r>
+              <a:rPr b="1" lang="el"/>
+              <a:t>Cluster 1</a:t>
+            </a:r>
+            <a:r>
               <a:rPr lang="el"/>
-              <a:t>Cluster 1 - Low income, big families</a:t>
+              <a:t>: </a:t>
+            </a:r>
+            <a:r>
+              <a:rPr lang="el"/>
+              <a:t>Medium Income, families with teenagers</a:t>
+            </a:r>
+            <a:endParaRPr/>
+          </a:p>
+          <a:p>
+            <a:pPr indent="-304164" lvl="2" marL="1371600" marR="0" rtl="0" algn="l">
+              <a:lnSpc>
+                <a:spcPct val="115000"/>
+              </a:lnSpc>
+              <a:spcBef>
+                <a:spcPts val="0"/>
+              </a:spcBef>
+              <a:spcAft>
+                <a:spcPts val="0"/>
+              </a:spcAft>
+              <a:buSzPct val="100000"/>
+              <a:buChar char="■"/>
+            </a:pPr>
+            <a:r>
+              <a:rPr lang="el"/>
+              <a:t>662 customers</a:t>
             </a:r>
             <a:endParaRPr/>
           </a:p>
@@ -11183,7 +11479,7 @@
             <a:endParaRPr/>
           </a:p>
           <a:p>
-            <a:pPr indent="-317500" lvl="1" marL="914400" marR="0" rtl="0" algn="l">
+            <a:pPr indent="-304165" lvl="1" marL="914400" marR="0" rtl="0" algn="l">
               <a:lnSpc>
                 <a:spcPct val="115000"/>
               </a:lnSpc>
@@ -11193,22 +11489,61 @@
               <a:spcAft>
                 <a:spcPts val="0"/>
               </a:spcAft>
-              <a:buSzPts val="1400"/>
+              <a:buSzPct val="100000"/>
               <a:buChar char="○"/>
             </a:pPr>
             <a:r>
+              <a:rPr b="1" lang="el"/>
+              <a:t>Cluster 2</a:t>
+            </a:r>
+            <a:r>
               <a:rPr lang="el"/>
-              <a:t>Cluster 2 - Medium Income - Small families</a:t>
-            </a:r>
-            <a:endParaRPr sz="1200">
-              <a:solidFill>
-                <a:srgbClr val="000000"/>
-              </a:solidFill>
-              <a:latin typeface="Arial"/>
-              <a:ea typeface="Arial"/>
-              <a:cs typeface="Arial"/>
-              <a:sym typeface="Arial"/>
-            </a:endParaRPr>
+              <a:t>: </a:t>
+            </a:r>
+            <a:r>
+              <a:rPr lang="el"/>
+              <a:t>No kids, High Spenders</a:t>
+            </a:r>
+            <a:endParaRPr/>
+          </a:p>
+          <a:p>
+            <a:pPr indent="-304165" lvl="1" marL="914400" marR="0" rtl="0" algn="l">
+              <a:lnSpc>
+                <a:spcPct val="115000"/>
+              </a:lnSpc>
+              <a:spcBef>
+                <a:spcPts val="0"/>
+              </a:spcBef>
+              <a:spcAft>
+                <a:spcPts val="0"/>
+              </a:spcAft>
+              <a:buSzPct val="100000"/>
+              <a:buChar char="○"/>
+            </a:pPr>
+            <a:r>
+              <a:t/>
+            </a:r>
+            <a:endParaRPr/>
+          </a:p>
+          <a:p>
+            <a:pPr indent="-304164" lvl="2" marL="1371600" marR="0" rtl="0" algn="l">
+              <a:lnSpc>
+                <a:spcPct val="115000"/>
+              </a:lnSpc>
+              <a:spcBef>
+                <a:spcPts val="0"/>
+              </a:spcBef>
+              <a:spcAft>
+                <a:spcPts val="0"/>
+              </a:spcAft>
+              <a:buSzPct val="100000"/>
+              <a:buChar char="■"/>
+            </a:pPr>
+            <a:r>
+              <a:rPr lang="el"/>
+              <a:t>551 customers</a:t>
+            </a:r>
+            <a:endParaRPr/>
           </a:p>
           <a:p>
             <a:pPr indent="0" lvl="0" marL="914400" rtl="0" algn="l">
@@ -11229,7 +11564,7 @@
       </p:sp>
       <p:pic>
         <p:nvPicPr>
-          <p:cNvPr id="140" name="Google Shape;140;p21"/>
+          <p:cNvPr id="141" name="Google Shape;141;p21"/>
           <p:cNvPicPr preferRelativeResize="0"/>
           <p:nvPr/>
         </p:nvPicPr>
@@ -11243,8 +11578,8 @@
         </p:blipFill>
         <p:spPr>
           <a:xfrm>
-            <a:off x="5148747" y="957625"/>
-            <a:ext cx="3365928" cy="3339000"/>
+            <a:off x="4978550" y="936475"/>
+            <a:ext cx="4001525" cy="3873000"/>
           </a:xfrm>
           <a:prstGeom prst="rect">
             <a:avLst/>
@@ -11264,6 +11599,285 @@
 </file>
 
 <file path=ppt/theme/theme1.xml><?xml version="1.0" encoding="utf-8"?>
+<a:theme xmlns:a="http://schemas.openxmlformats.org/drawingml/2006/main" xmlns:r="http://schemas.openxmlformats.org/officeDocument/2006/relationships">
+  <a:themeElements>
+    <a:clrScheme name="Default">
+      <a:dk1>
+        <a:srgbClr val="000000"/>
+      </a:dk1>
+      <a:lt1>
+        <a:srgbClr val="FFFFFF"/>
+      </a:lt1>
+      <a:dk2>
+        <a:srgbClr val="158158"/>
+      </a:dk2>
+      <a:lt2>
+        <a:srgbClr val="F3F3F3"/>
+      </a:lt2>
+      <a:accent1>
+        <a:srgbClr val="058DC7"/>
+      </a:accent1>
+      <a:accent2>
+        <a:srgbClr val="50B432"/>
+      </a:accent2>
+      <a:accent3>
+        <a:srgbClr val="ED561B"/>
+      </a:accent3>
+      <a:accent4>
+        <a:srgbClr val="EDEF00"/>
+      </a:accent4>
+      <a:accent5>
+        <a:srgbClr val="24CBE5"/>
+      </a:accent5>
+      <a:accent6>
+        <a:srgbClr val="64E572"/>
+      </a:accent6>
+      <a:hlink>
+        <a:srgbClr val="2200CC"/>
+      </a:hlink>
+      <a:folHlink>
+        <a:srgbClr val="551A8B"/>
+      </a:folHlink>
+    </a:clrScheme>
+    <a:fontScheme name="Office">
+      <a:majorFont>
+        <a:latin typeface="Arial"/>
+        <a:ea typeface=""/>
+        <a:cs typeface=""/>
+        <a:font script="Jpan" typeface="ＭＳ Ｐゴシック"/>
+        <a:font script="Hang" typeface="맑은 고딕"/>
+        <a:font script="Hans" typeface="宋体"/>
+        <a:font script="Hant" typeface="新細明體"/>
+        <a:font script="Arab" typeface="Times New Roman"/>
+        <a:font script="Hebr" typeface="Times New Roman"/>
+        <a:font script="Thai" typeface="Angsana New"/>
+        <a:font script="Ethi" typeface="Nyala"/>
+        <a:font script="Beng" typeface="Vrinda"/>
+        <a:font script="Gujr" typeface="Shruti"/>
+        <a:font script="Khmr" typeface="MoolBoran"/>
+        <a:font script="Knda" typeface="Tunga"/>
+        <a:font script="Guru" typeface="Raavi"/>
+        <a:font script="Cans" typeface="Euphemia"/>
+        <a:font script="Cher" typeface="Plantagenet Cherokee"/>
+        <a:font script="Yiii" typeface="Microsoft Yi Baiti"/>
+        <a:font script="Tibt" typeface="Microsoft Himalaya"/>
+        <a:font script="Thaa" typeface="MV Boli"/>
+        <a:font script="Deva" typeface="Mangal"/>
+        <a:font script="Telu" typeface="Gautami"/>
+        <a:font script="Taml" typeface="Latha"/>
+        <a:font script="Syrc" typeface="Estrangelo Edessa"/>
+        <a:font script="Orya" typeface="Kalinga"/>
+        <a:font script="Mlym" typeface="Kartika"/>
+        <a:font script="Laoo" typeface="DokChampa"/>
+        <a:font script="Sinh" typeface="Iskoola Pota"/>
+        <a:font script="Mong" typeface="Mongolian Baiti"/>
+        <a:font script="Viet" typeface="Times New Roman"/>
+        <a:font script="Uigh" typeface="Microsoft Uighur"/>
+        <a:font script="Geor" typeface="Sylfaen"/>
+      </a:majorFont>
+      <a:minorFont>
+        <a:latin typeface="Arial"/>
+        <a:ea typeface=""/>
+        <a:cs typeface=""/>
+        <a:font script="Jpan" typeface="ＭＳ Ｐゴシック"/>
+        <a:font script="Hang" typeface="맑은 고딕"/>
+        <a:font script="Hans" typeface="宋体"/>
+        <a:font script="Hant" typeface="新細明體"/>
+        <a:font script="Arab" typeface="Arial"/>
+        <a:font script="Hebr" typeface="Arial"/>
+        <a:font script="Thai" typeface="Cordia New"/>
+        <a:font script="Ethi" typeface="Nyala"/>
+        <a:font script="Beng" typeface="Vrinda"/>
+        <a:font script="Gujr" typeface="Shruti"/>
+        <a:font script="Khmr" typeface="DaunPenh"/>
+        <a:font script="Knda" typeface="Tunga"/>
+        <a:font script="Guru" typeface="Raavi"/>
+        <a:font script="Cans" typeface="Euphemia"/>
+        <a:font script="Cher" typeface="Plantagenet Cherokee"/>
+        <a:font script="Yiii" typeface="Microsoft Yi Baiti"/>
+        <a:font script="Tibt" typeface="Microsoft Himalaya"/>
+        <a:font script="Thaa" typeface="MV Boli"/>
+        <a:font script="Deva" typeface="Mangal"/>
+        <a:font script="Telu" typeface="Gautami"/>
+        <a:font script="Taml" typeface="Latha"/>
+        <a:font script="Syrc" typeface="Estrangelo Edessa"/>
+        <a:font script="Orya" typeface="Kalinga"/>
+        <a:font script="Mlym" typeface="Kartika"/>
+        <a:font script="Laoo" typeface="DokChampa"/>
+        <a:font script="Sinh" typeface="Iskoola Pota"/>
+        <a:font script="Mong" typeface="Mongolian Baiti"/>
+        <a:font script="Viet" typeface="Arial"/>
+        <a:font script="Uigh" typeface="Microsoft Uighur"/>
+        <a:font script="Geor" typeface="Sylfaen"/>
+      </a:minorFont>
+    </a:fontScheme>
+    <a:fmtScheme name="Office">
+      <a:fillStyleLst>
+        <a:solidFill>
+          <a:schemeClr val="phClr"/>
+        </a:solidFill>
+        <a:gradFill rotWithShape="1">
+          <a:gsLst>
+            <a:gs pos="0">
+              <a:schemeClr val="phClr">
+                <a:tint val="50000"/>
+                <a:satMod val="300000"/>
+              </a:schemeClr>
+            </a:gs>
+            <a:gs pos="35000">
+              <a:schemeClr val="phClr">
+                <a:tint val="37000"/>
+                <a:satMod val="300000"/>
+              </a:schemeClr>
+            </a:gs>
+            <a:gs pos="100000">
+              <a:schemeClr val="phClr">
+                <a:tint val="15000"/>
+                <a:satMod val="350000"/>
+              </a:schemeClr>
+            </a:gs>
+          </a:gsLst>
+          <a:lin ang="16200000" scaled="1"/>
+        </a:gradFill>
+        <a:gradFill rotWithShape="1">
+          <a:gsLst>
+            <a:gs pos="0">
+              <a:schemeClr val="phClr">
+                <a:tint val="100000"/>
+                <a:shade val="100000"/>
+                <a:satMod val="130000"/>
+              </a:schemeClr>
+            </a:gs>
+            <a:gs pos="100000">
+              <a:schemeClr val="phClr">
+                <a:tint val="50000"/>
+                <a:shade val="100000"/>
+                <a:satMod val="350000"/>
+              </a:schemeClr>
+            </a:gs>
+          </a:gsLst>
+          <a:lin ang="16200000" scaled="0"/>
+        </a:gradFill>
+      </a:fillStyleLst>
+      <a:lnStyleLst>
+        <a:ln w="9525" cap="flat" cmpd="sng" algn="ctr">
+          <a:solidFill>
+            <a:schemeClr val="phClr">
+              <a:shade val="95000"/>
+              <a:satMod val="105000"/>
+            </a:schemeClr>
+          </a:solidFill>
+          <a:prstDash val="solid"/>
+        </a:ln>
+        <a:ln w="25400" cap="flat" cmpd="sng" algn="ctr">
+          <a:solidFill>
+            <a:schemeClr val="phClr"/>
+          </a:solidFill>
+          <a:prstDash val="solid"/>
+        </a:ln>
+        <a:ln w="38100" cap="flat" cmpd="sng" algn="ctr">
+          <a:solidFill>
+            <a:schemeClr val="phClr"/>
+          </a:solidFill>
+          <a:prstDash val="solid"/>
+        </a:ln>
+      </a:lnStyleLst>
+      <a:effectStyleLst>
+        <a:effectStyle>
+          <a:effectLst>
+            <a:outerShdw blurRad="40000" dist="20000" dir="5400000" rotWithShape="0">
+              <a:srgbClr val="000000">
+                <a:alpha val="38000"/>
+              </a:srgbClr>
+            </a:outerShdw>
+          </a:effectLst>
+        </a:effectStyle>
+        <a:effectStyle>
+          <a:effectLst>
+            <a:outerShdw blurRad="40000" dist="23000" dir="5400000" rotWithShape="0">
+              <a:srgbClr val="000000">
+                <a:alpha val="35000"/>
+              </a:srgbClr>
+            </a:outerShdw>
+          </a:effectLst>
+        </a:effectStyle>
+        <a:effectStyle>
+          <a:effectLst>
+            <a:outerShdw blurRad="40000" dist="23000" dir="5400000" rotWithShape="0">
+              <a:srgbClr val="000000">
+                <a:alpha val="35000"/>
+              </a:srgbClr>
+            </a:outerShdw>
+          </a:effectLst>
+          <a:scene3d>
+            <a:camera prst="orthographicFront">
+              <a:rot lat="0" lon="0" rev="0"/>
+            </a:camera>
+            <a:lightRig rig="threePt" dir="t">
+              <a:rot lat="0" lon="0" rev="1200000"/>
+            </a:lightRig>
+          </a:scene3d>
+          <a:sp3d>
+            <a:bevelT w="63500" h="25400"/>
+          </a:sp3d>
+        </a:effectStyle>
+      </a:effectStyleLst>
+      <a:bgFillStyleLst>
+        <a:solidFill>
+          <a:schemeClr val="phClr"/>
+        </a:solidFill>
+        <a:gradFill rotWithShape="1">
+          <a:gsLst>
+            <a:gs pos="0">
+              <a:schemeClr val="phClr">
+                <a:tint val="40000"/>
+                <a:satMod val="350000"/>
+              </a:schemeClr>
+            </a:gs>
+            <a:gs pos="40000">
+              <a:schemeClr val="phClr">
+                <a:tint val="45000"/>
+                <a:shade val="99000"/>
+                <a:satMod val="350000"/>
+              </a:schemeClr>
+            </a:gs>
+            <a:gs pos="100000">
+              <a:schemeClr val="phClr">
+                <a:shade val="20000"/>
+                <a:satMod val="255000"/>
+              </a:schemeClr>
+            </a:gs>
+          </a:gsLst>
+          <a:path path="circle">
+            <a:fillToRect l="50000" t="-80000" r="50000" b="180000"/>
+          </a:path>
+        </a:gradFill>
+        <a:gradFill rotWithShape="1">
+          <a:gsLst>
+            <a:gs pos="0">
+              <a:schemeClr val="phClr">
+                <a:tint val="80000"/>
+                <a:satMod val="300000"/>
+              </a:schemeClr>
+            </a:gs>
+            <a:gs pos="100000">
+              <a:schemeClr val="phClr">
+                <a:shade val="30000"/>
+                <a:satMod val="200000"/>
+              </a:schemeClr>
+            </a:gs>
+          </a:gsLst>
+          <a:path path="circle">
+            <a:fillToRect l="50000" t="50000" r="50000" b="50000"/>
+          </a:path>
+        </a:gradFill>
+      </a:bgFillStyleLst>
+    </a:fmtScheme>
+  </a:themeElements>
+</a:theme>
+</file>
+
+<file path=ppt/theme/theme2.xml><?xml version="1.0" encoding="utf-8"?>
 <a:theme xmlns:a="http://schemas.openxmlformats.org/drawingml/2006/main" xmlns:r="http://schemas.openxmlformats.org/officeDocument/2006/relationships" name="Geometric">
   <a:themeElements>
     <a:clrScheme name="Geometric">
@@ -11540,283 +12154,4 @@
     </a:fmtScheme>
   </a:themeElements>
 </a:theme>
-</file>
-
-<file path=ppt/theme/theme2.xml><?xml version="1.0" encoding="utf-8"?>
-<a:theme xmlns:a="http://schemas.openxmlformats.org/drawingml/2006/main" xmlns:r="http://schemas.openxmlformats.org/officeDocument/2006/relationships">
-  <a:themeElements>
-    <a:clrScheme name="Default">
-      <a:dk1>
-        <a:srgbClr val="000000"/>
-      </a:dk1>
-      <a:lt1>
-        <a:srgbClr val="FFFFFF"/>
-      </a:lt1>
-      <a:dk2>
-        <a:srgbClr val="158158"/>
-      </a:dk2>
-      <a:lt2>
-        <a:srgbClr val="F3F3F3"/>
-      </a:lt2>
-      <a:accent1>
-        <a:srgbClr val="058DC7"/>
-      </a:accent1>
-      <a:accent2>
-        <a:srgbClr val="50B432"/>
-      </a:accent2>
-      <a:accent3>
-        <a:srgbClr val="ED561B"/>
-      </a:accent3>
-      <a:accent4>
-        <a:srgbClr val="EDEF00"/>
-      </a:accent4>
-      <a:accent5>
-        <a:srgbClr val="24CBE5"/>
-      </a:accent5>
-      <a:accent6>
-        <a:srgbClr val="64E572"/>
-      </a:accent6>
-      <a:hlink>
-        <a:srgbClr val="2200CC"/>
-      </a:hlink>
-      <a:folHlink>
-        <a:srgbClr val="551A8B"/>
-      </a:folHlink>
-    </a:clrScheme>
-    <a:fontScheme name="Office">
-      <a:majorFont>
-        <a:latin typeface="Arial"/>
-        <a:ea typeface=""/>
-        <a:cs typeface=""/>
-        <a:font script="Jpan" typeface="ＭＳ Ｐゴシック"/>
-        <a:font script="Hang" typeface="맑은 고딕"/>
-        <a:font script="Hans" typeface="宋体"/>
-        <a:font script="Hant" typeface="新細明體"/>
-        <a:font script="Arab" typeface="Times New Roman"/>
-        <a:font script="Hebr" typeface="Times New Roman"/>
-        <a:font script="Thai" typeface="Angsana New"/>
-        <a:font script="Ethi" typeface="Nyala"/>
-        <a:font script="Beng" typeface="Vrinda"/>
-        <a:font script="Gujr" typeface="Shruti"/>
-        <a:font script="Khmr" typeface="MoolBoran"/>
-        <a:font script="Knda" typeface="Tunga"/>
-        <a:font script="Guru" typeface="Raavi"/>
-        <a:font script="Cans" typeface="Euphemia"/>
-        <a:font script="Cher" typeface="Plantagenet Cherokee"/>
-        <a:font script="Yiii" typeface="Microsoft Yi Baiti"/>
-        <a:font script="Tibt" typeface="Microsoft Himalaya"/>
-        <a:font script="Thaa" typeface="MV Boli"/>
-        <a:font script="Deva" typeface="Mangal"/>
-        <a:font script="Telu" typeface="Gautami"/>
-        <a:font script="Taml" typeface="Latha"/>
-        <a:font script="Syrc" typeface="Estrangelo Edessa"/>
-        <a:font script="Orya" typeface="Kalinga"/>
-        <a:font script="Mlym" typeface="Kartika"/>
-        <a:font script="Laoo" typeface="DokChampa"/>
-        <a:font script="Sinh" typeface="Iskoola Pota"/>
-        <a:font script="Mong" typeface="Mongolian Baiti"/>
-        <a:font script="Viet" typeface="Times New Roman"/>
-        <a:font script="Uigh" typeface="Microsoft Uighur"/>
-        <a:font script="Geor" typeface="Sylfaen"/>
-      </a:majorFont>
-      <a:minorFont>
-        <a:latin typeface="Arial"/>
-        <a:ea typeface=""/>
-        <a:cs typeface=""/>
-        <a:font script="Jpan" typeface="ＭＳ Ｐゴシック"/>
-        <a:font script="Hang" typeface="맑은 고딕"/>
-        <a:font script="Hans" typeface="宋体"/>
-        <a:font script="Hant" typeface="新細明體"/>
-        <a:font script="Arab" typeface="Arial"/>
-        <a:font script="Hebr" typeface="Arial"/>
-        <a:font script="Thai" typeface="Cordia New"/>
-        <a:font script="Ethi" typeface="Nyala"/>
-        <a:font script="Beng" typeface="Vrinda"/>
-        <a:font script="Gujr" typeface="Shruti"/>
-        <a:font script="Khmr" typeface="DaunPenh"/>
-        <a:font script="Knda" typeface="Tunga"/>
-        <a:font script="Guru" typeface="Raavi"/>
-        <a:font script="Cans" typeface="Euphemia"/>
-        <a:font script="Cher" typeface="Plantagenet Cherokee"/>
-        <a:font script="Yiii" typeface="Microsoft Yi Baiti"/>
-        <a:font script="Tibt" typeface="Microsoft Himalaya"/>
-        <a:font script="Thaa" typeface="MV Boli"/>
-        <a:font script="Deva" typeface="Mangal"/>
-        <a:font script="Telu" typeface="Gautami"/>
-        <a:font script="Taml" typeface="Latha"/>
-        <a:font script="Syrc" typeface="Estrangelo Edessa"/>
-        <a:font script="Orya" typeface="Kalinga"/>
-        <a:font script="Mlym" typeface="Kartika"/>
-        <a:font script="Laoo" typeface="DokChampa"/>
-        <a:font script="Sinh" typeface="Iskoola Pota"/>
-        <a:font script="Mong" typeface="Mongolian Baiti"/>
-        <a:font script="Viet" typeface="Arial"/>
-        <a:font script="Uigh" typeface="Microsoft Uighur"/>
-        <a:font script="Geor" typeface="Sylfaen"/>
-      </a:minorFont>
-    </a:fontScheme>
-    <a:fmtScheme name="Office">
-      <a:fillStyleLst>
-        <a:solidFill>
-          <a:schemeClr val="phClr"/>
-        </a:solidFill>
-        <a:gradFill rotWithShape="1">
-          <a:gsLst>
-            <a:gs pos="0">
-              <a:schemeClr val="phClr">
-                <a:tint val="50000"/>
-                <a:satMod val="300000"/>
-              </a:schemeClr>
-            </a:gs>
-            <a:gs pos="35000">
-              <a:schemeClr val="phClr">
-                <a:tint val="37000"/>
-                <a:satMod val="300000"/>
-              </a:schemeClr>
-            </a:gs>
-            <a:gs pos="100000">
-              <a:schemeClr val="phClr">
-                <a:tint val="15000"/>
-                <a:satMod val="350000"/>
-              </a:schemeClr>
-            </a:gs>
-          </a:gsLst>
-          <a:lin ang="16200000" scaled="1"/>
-        </a:gradFill>
-        <a:gradFill rotWithShape="1">
-          <a:gsLst>
-            <a:gs pos="0">
-              <a:schemeClr val="phClr">
-                <a:tint val="100000"/>
-                <a:shade val="100000"/>
-                <a:satMod val="130000"/>
-              </a:schemeClr>
-            </a:gs>
-            <a:gs pos="100000">
-              <a:schemeClr val="phClr">
-                <a:tint val="50000"/>
-                <a:shade val="100000"/>
-                <a:satMod val="350000"/>
-              </a:schemeClr>
-            </a:gs>
-          </a:gsLst>
-          <a:lin ang="16200000" scaled="0"/>
-        </a:gradFill>
-      </a:fillStyleLst>
-      <a:lnStyleLst>
-        <a:ln w="9525" cap="flat" cmpd="sng" algn="ctr">
-          <a:solidFill>
-            <a:schemeClr val="phClr">
-              <a:shade val="95000"/>
-              <a:satMod val="105000"/>
-            </a:schemeClr>
-          </a:solidFill>
-          <a:prstDash val="solid"/>
-        </a:ln>
-        <a:ln w="25400" cap="flat" cmpd="sng" algn="ctr">
-          <a:solidFill>
-            <a:schemeClr val="phClr"/>
-          </a:solidFill>
-          <a:prstDash val="solid"/>
-        </a:ln>
-        <a:ln w="38100" cap="flat" cmpd="sng" algn="ctr">
-          <a:solidFill>
-            <a:schemeClr val="phClr"/>
-          </a:solidFill>
-          <a:prstDash val="solid"/>
-        </a:ln>
-      </a:lnStyleLst>
-      <a:effectStyleLst>
-        <a:effectStyle>
-          <a:effectLst>
-            <a:outerShdw blurRad="40000" dist="20000" dir="5400000" rotWithShape="0">
-              <a:srgbClr val="000000">
-                <a:alpha val="38000"/>
-              </a:srgbClr>
-            </a:outerShdw>
-          </a:effectLst>
-        </a:effectStyle>
-        <a:effectStyle>
-          <a:effectLst>
-            <a:outerShdw blurRad="40000" dist="23000" dir="5400000" rotWithShape="0">
-              <a:srgbClr val="000000">
-                <a:alpha val="35000"/>
-              </a:srgbClr>
-            </a:outerShdw>
-          </a:effectLst>
-        </a:effectStyle>
-        <a:effectStyle>
-          <a:effectLst>
-            <a:outerShdw blurRad="40000" dist="23000" dir="5400000" rotWithShape="0">
-              <a:srgbClr val="000000">
-                <a:alpha val="35000"/>
-              </a:srgbClr>
-            </a:outerShdw>
-          </a:effectLst>
-          <a:scene3d>
-            <a:camera prst="orthographicFront">
-              <a:rot lat="0" lon="0" rev="0"/>
-            </a:camera>
-            <a:lightRig rig="threePt" dir="t">
-              <a:rot lat="0" lon="0" rev="1200000"/>
-            </a:lightRig>
-          </a:scene3d>
-          <a:sp3d>
-            <a:bevelT w="63500" h="25400"/>
-          </a:sp3d>
-        </a:effectStyle>
-      </a:effectStyleLst>
-      <a:bgFillStyleLst>
-        <a:solidFill>
-          <a:schemeClr val="phClr"/>
-        </a:solidFill>
-        <a:gradFill rotWithShape="1">
-          <a:gsLst>
-            <a:gs pos="0">
-              <a:schemeClr val="phClr">
-                <a:tint val="40000"/>
-                <a:satMod val="350000"/>
-              </a:schemeClr>
-            </a:gs>
-            <a:gs pos="40000">
-              <a:schemeClr val="phClr">
-                <a:tint val="45000"/>
-                <a:shade val="99000"/>
-                <a:satMod val="350000"/>
-              </a:schemeClr>
-            </a:gs>
-            <a:gs pos="100000">
-              <a:schemeClr val="phClr">
-                <a:shade val="20000"/>
-                <a:satMod val="255000"/>
-              </a:schemeClr>
-            </a:gs>
-          </a:gsLst>
-          <a:path path="circle">
-            <a:fillToRect l="50000" t="-80000" r="50000" b="180000"/>
-          </a:path>
-        </a:gradFill>
-        <a:gradFill rotWithShape="1">
-          <a:gsLst>
-            <a:gs pos="0">
-              <a:schemeClr val="phClr">
-                <a:tint val="80000"/>
-                <a:satMod val="300000"/>
-              </a:schemeClr>
-            </a:gs>
-            <a:gs pos="100000">
-              <a:schemeClr val="phClr">
-                <a:shade val="30000"/>
-                <a:satMod val="200000"/>
-              </a:schemeClr>
-            </a:gs>
-          </a:gsLst>
-          <a:path path="circle">
-            <a:fillToRect l="50000" t="50000" r="50000" b="50000"/>
-          </a:path>
-        </a:gradFill>
-      </a:bgFillStyleLst>
-    </a:fmtScheme>
-  </a:themeElements>
-</a:theme>
 </file>